--- a/images/alliance-leadership/Brave Leadership and Breadership.pptx
+++ b/images/alliance-leadership/Brave Leadership and Breadership.pptx
@@ -206,7 +206,7 @@
           <a:p>
             <a:fld id="{9962AB11-1530-4979-8986-DB5079D81E9A}" type="datetimeFigureOut">
               <a:rPr lang="en-GB" smtClean="0"/>
-              <a:t>24/08/2024</a:t>
+              <a:t>02/04/2025</a:t>
             </a:fld>
             <a:endParaRPr lang="en-GB"/>
           </a:p>
@@ -791,7 +791,7 @@
           <a:p>
             <a:fld id="{5856F2AD-4EEB-49BC-BF6B-BBCD376DEAAB}" type="datetimeFigureOut">
               <a:rPr lang="en-GB" smtClean="0"/>
-              <a:t>24/08/2024</a:t>
+              <a:t>02/04/2025</a:t>
             </a:fld>
             <a:endParaRPr lang="en-GB"/>
           </a:p>
@@ -991,7 +991,7 @@
           <a:p>
             <a:fld id="{5856F2AD-4EEB-49BC-BF6B-BBCD376DEAAB}" type="datetimeFigureOut">
               <a:rPr lang="en-GB" smtClean="0"/>
-              <a:t>24/08/2024</a:t>
+              <a:t>02/04/2025</a:t>
             </a:fld>
             <a:endParaRPr lang="en-GB"/>
           </a:p>
@@ -1201,7 +1201,7 @@
           <a:p>
             <a:fld id="{5856F2AD-4EEB-49BC-BF6B-BBCD376DEAAB}" type="datetimeFigureOut">
               <a:rPr lang="en-GB" smtClean="0"/>
-              <a:t>24/08/2024</a:t>
+              <a:t>02/04/2025</a:t>
             </a:fld>
             <a:endParaRPr lang="en-GB"/>
           </a:p>
@@ -1401,7 +1401,7 @@
           <a:p>
             <a:fld id="{5856F2AD-4EEB-49BC-BF6B-BBCD376DEAAB}" type="datetimeFigureOut">
               <a:rPr lang="en-GB" smtClean="0"/>
-              <a:t>24/08/2024</a:t>
+              <a:t>02/04/2025</a:t>
             </a:fld>
             <a:endParaRPr lang="en-GB"/>
           </a:p>
@@ -1677,7 +1677,7 @@
           <a:p>
             <a:fld id="{5856F2AD-4EEB-49BC-BF6B-BBCD376DEAAB}" type="datetimeFigureOut">
               <a:rPr lang="en-GB" smtClean="0"/>
-              <a:t>24/08/2024</a:t>
+              <a:t>02/04/2025</a:t>
             </a:fld>
             <a:endParaRPr lang="en-GB"/>
           </a:p>
@@ -1945,7 +1945,7 @@
           <a:p>
             <a:fld id="{5856F2AD-4EEB-49BC-BF6B-BBCD376DEAAB}" type="datetimeFigureOut">
               <a:rPr lang="en-GB" smtClean="0"/>
-              <a:t>24/08/2024</a:t>
+              <a:t>02/04/2025</a:t>
             </a:fld>
             <a:endParaRPr lang="en-GB"/>
           </a:p>
@@ -2360,7 +2360,7 @@
           <a:p>
             <a:fld id="{5856F2AD-4EEB-49BC-BF6B-BBCD376DEAAB}" type="datetimeFigureOut">
               <a:rPr lang="en-GB" smtClean="0"/>
-              <a:t>24/08/2024</a:t>
+              <a:t>02/04/2025</a:t>
             </a:fld>
             <a:endParaRPr lang="en-GB"/>
           </a:p>
@@ -2502,7 +2502,7 @@
           <a:p>
             <a:fld id="{5856F2AD-4EEB-49BC-BF6B-BBCD376DEAAB}" type="datetimeFigureOut">
               <a:rPr lang="en-GB" smtClean="0"/>
-              <a:t>24/08/2024</a:t>
+              <a:t>02/04/2025</a:t>
             </a:fld>
             <a:endParaRPr lang="en-GB"/>
           </a:p>
@@ -2615,7 +2615,7 @@
           <a:p>
             <a:fld id="{5856F2AD-4EEB-49BC-BF6B-BBCD376DEAAB}" type="datetimeFigureOut">
               <a:rPr lang="en-GB" smtClean="0"/>
-              <a:t>24/08/2024</a:t>
+              <a:t>02/04/2025</a:t>
             </a:fld>
             <a:endParaRPr lang="en-GB"/>
           </a:p>
@@ -2928,7 +2928,7 @@
           <a:p>
             <a:fld id="{5856F2AD-4EEB-49BC-BF6B-BBCD376DEAAB}" type="datetimeFigureOut">
               <a:rPr lang="en-GB" smtClean="0"/>
-              <a:t>24/08/2024</a:t>
+              <a:t>02/04/2025</a:t>
             </a:fld>
             <a:endParaRPr lang="en-GB"/>
           </a:p>
@@ -3217,7 +3217,7 @@
           <a:p>
             <a:fld id="{5856F2AD-4EEB-49BC-BF6B-BBCD376DEAAB}" type="datetimeFigureOut">
               <a:rPr lang="en-GB" smtClean="0"/>
-              <a:t>24/08/2024</a:t>
+              <a:t>02/04/2025</a:t>
             </a:fld>
             <a:endParaRPr lang="en-GB"/>
           </a:p>
@@ -3460,7 +3460,7 @@
           <a:p>
             <a:fld id="{5856F2AD-4EEB-49BC-BF6B-BBCD376DEAAB}" type="datetimeFigureOut">
               <a:rPr lang="en-GB" smtClean="0"/>
-              <a:t>24/08/2024</a:t>
+              <a:t>02/04/2025</a:t>
             </a:fld>
             <a:endParaRPr lang="en-GB"/>
           </a:p>
@@ -5456,7 +5456,7 @@
                   <a:schemeClr val="tx1"/>
                 </a:solidFill>
               </a:rPr>
-              <a:t> Locke </a:t>
+              <a:t> El </a:t>
             </a:r>
             <a:r>
               <a:rPr lang="en-GB" sz="900" dirty="0" err="1">
@@ -5464,7 +5464,7 @@
                   <a:schemeClr val="tx1"/>
                 </a:solidFill>
               </a:rPr>
-              <a:t>Beulve</a:t>
+              <a:t>Profii</a:t>
             </a:r>
             <a:endParaRPr lang="en-GB" sz="900" dirty="0">
               <a:solidFill>
@@ -6520,23 +6520,7 @@
                   <a:schemeClr val="tx1"/>
                 </a:solidFill>
               </a:rPr>
-              <a:t>Arcaine</a:t>
-            </a:r>
-            <a:r>
-              <a:rPr lang="en-GB" sz="900" dirty="0">
-                <a:solidFill>
-                  <a:schemeClr val="tx1"/>
-                </a:solidFill>
-              </a:rPr>
-              <a:t> </a:t>
-            </a:r>
-            <a:r>
-              <a:rPr lang="en-GB" sz="900" dirty="0" err="1">
-                <a:solidFill>
-                  <a:schemeClr val="tx1"/>
-                </a:solidFill>
-              </a:rPr>
-              <a:t>Saisima</a:t>
+              <a:t>Suffia</a:t>
             </a:r>
             <a:endParaRPr lang="en-GB" sz="900" dirty="0">
               <a:solidFill>
@@ -6670,7 +6654,7 @@
                   <a:schemeClr val="tx1"/>
                 </a:solidFill>
               </a:rPr>
-              <a:t> Groot </a:t>
+              <a:t> </a:t>
             </a:r>
             <a:r>
               <a:rPr lang="en-GB" sz="900" dirty="0" err="1">
@@ -6678,7 +6662,91 @@
                   <a:schemeClr val="tx1"/>
                 </a:solidFill>
               </a:rPr>
-              <a:t>Brustir</a:t>
+              <a:t>Yondu</a:t>
+            </a:r>
+            <a:r>
+              <a:rPr lang="en-GB" sz="900" dirty="0">
+                <a:solidFill>
+                  <a:schemeClr val="tx1"/>
+                </a:solidFill>
+              </a:rPr>
+              <a:t> Quill</a:t>
+            </a:r>
+          </a:p>
+          <a:p>
+            <a:r>
+              <a:rPr lang="en-GB" sz="800" dirty="0">
+                <a:solidFill>
+                  <a:schemeClr val="tx1"/>
+                </a:solidFill>
+              </a:rPr>
+              <a:t> Brave Revenue Service</a:t>
+            </a:r>
+          </a:p>
+        </p:txBody>
+      </p:sp>
+      <p:sp>
+        <p:nvSpPr>
+          <p:cNvPr id="1160" name="Rectangle: Rounded Corners 1159">
+            <a:extLst>
+              <a:ext uri="{FF2B5EF4-FFF2-40B4-BE49-F238E27FC236}">
+                <a16:creationId xmlns:a16="http://schemas.microsoft.com/office/drawing/2014/main" id="{531F6EAD-6ACF-6373-BCD9-EB8A521F5046}"/>
+              </a:ext>
+            </a:extLst>
+          </p:cNvPr>
+          <p:cNvSpPr/>
+          <p:nvPr/>
+        </p:nvSpPr>
+        <p:spPr>
+          <a:xfrm>
+            <a:off x="1065831" y="4136875"/>
+            <a:ext cx="1260000" cy="450000"/>
+          </a:xfrm>
+          <a:prstGeom prst="roundRect">
+            <a:avLst/>
+          </a:prstGeom>
+          <a:solidFill>
+            <a:schemeClr val="bg1"/>
+          </a:solidFill>
+          <a:ln>
+            <a:noFill/>
+          </a:ln>
+        </p:spPr>
+        <p:style>
+          <a:lnRef idx="2">
+            <a:schemeClr val="accent1">
+              <a:shade val="15000"/>
+            </a:schemeClr>
+          </a:lnRef>
+          <a:fillRef idx="1">
+            <a:schemeClr val="accent1"/>
+          </a:fillRef>
+          <a:effectRef idx="0">
+            <a:schemeClr val="accent1"/>
+          </a:effectRef>
+          <a:fontRef idx="minor">
+            <a:schemeClr val="lt1"/>
+          </a:fontRef>
+        </p:style>
+        <p:txBody>
+          <a:bodyPr rtlCol="0" anchor="ctr"/>
+          <a:lstStyle/>
+          <a:p>
+            <a:r>
+              <a:rPr lang="en-GB" sz="900" dirty="0">
+                <a:solidFill>
+                  <a:schemeClr val="tx1"/>
+                </a:solidFill>
+              </a:rPr>
+              <a:t> </a:t>
+            </a:r>
+            <a:r>
+              <a:rPr lang="en-GB" sz="900" dirty="0" err="1">
+                <a:solidFill>
+                  <a:schemeClr val="tx1"/>
+                </a:solidFill>
+              </a:rPr>
+              <a:t>tbd</a:t>
             </a:r>
             <a:endParaRPr lang="en-GB" sz="900" dirty="0">
               <a:solidFill>
@@ -6693,17 +6761,30 @@
                   <a:schemeClr val="tx1"/>
                 </a:solidFill>
               </a:rPr>
-              <a:t> Brave Revenue Service</a:t>
-            </a:r>
+              <a:t> </a:t>
+            </a:r>
+            <a:r>
+              <a:rPr lang="en-GB" sz="900" dirty="0">
+                <a:solidFill>
+                  <a:schemeClr val="tx1"/>
+                </a:solidFill>
+              </a:rPr>
+              <a:t>IT Administrator</a:t>
+            </a:r>
+            <a:endParaRPr lang="en-GB" sz="700" dirty="0">
+              <a:solidFill>
+                <a:schemeClr val="tx1"/>
+              </a:solidFill>
+            </a:endParaRPr>
           </a:p>
         </p:txBody>
       </p:sp>
       <p:pic>
         <p:nvPicPr>
-          <p:cNvPr id="1158" name="Picture 2">
-            <a:extLst>
-              <a:ext uri="{FF2B5EF4-FFF2-40B4-BE49-F238E27FC236}">
-                <a16:creationId xmlns:a16="http://schemas.microsoft.com/office/drawing/2014/main" id="{6121DADD-7324-6D10-16CA-78D6CE4D7A9F}"/>
+          <p:cNvPr id="1161" name="Picture 2">
+            <a:extLst>
+              <a:ext uri="{FF2B5EF4-FFF2-40B4-BE49-F238E27FC236}">
+                <a16:creationId xmlns:a16="http://schemas.microsoft.com/office/drawing/2014/main" id="{C0A16F27-0FDE-2EEF-9BC9-B2F06C147B2B}"/>
               </a:ext>
             </a:extLst>
           </p:cNvPr>
@@ -6713,7 +6794,7 @@
           <p:nvPr/>
         </p:nvPicPr>
         <p:blipFill>
-          <a:blip r:embed="rId14" cstate="screen">
+          <a:blip r:embed="rId4" cstate="screen">
             <a:extLst>
               <a:ext uri="{28A0092B-C50C-407E-A947-70E740481C1C}">
                 <a14:useLocalDpi xmlns:a14="http://schemas.microsoft.com/office/drawing/2010/main" val="0"/>
@@ -6725,7 +6806,7 @@
         </p:blipFill>
         <p:spPr bwMode="auto">
           <a:xfrm>
-            <a:off x="531516" y="376545"/>
+            <a:off x="562846" y="4083750"/>
             <a:ext cx="540000" cy="540000"/>
           </a:xfrm>
           <a:prstGeom prst="rect">
@@ -6753,10 +6834,10 @@
       </p:pic>
       <p:sp>
         <p:nvSpPr>
-          <p:cNvPr id="1160" name="Rectangle: Rounded Corners 1159">
-            <a:extLst>
-              <a:ext uri="{FF2B5EF4-FFF2-40B4-BE49-F238E27FC236}">
-                <a16:creationId xmlns:a16="http://schemas.microsoft.com/office/drawing/2014/main" id="{531F6EAD-6ACF-6373-BCD9-EB8A521F5046}"/>
+          <p:cNvPr id="1167" name="Rectangle: Rounded Corners 1166">
+            <a:extLst>
+              <a:ext uri="{FF2B5EF4-FFF2-40B4-BE49-F238E27FC236}">
+                <a16:creationId xmlns:a16="http://schemas.microsoft.com/office/drawing/2014/main" id="{42EC0099-FF93-68CA-B381-8B3F837D7BF9}"/>
               </a:ext>
             </a:extLst>
           </p:cNvPr>
@@ -6765,7 +6846,7 @@
         </p:nvSpPr>
         <p:spPr>
           <a:xfrm>
-            <a:off x="1065831" y="4136875"/>
+            <a:off x="3391662" y="5061625"/>
             <a:ext cx="1260000" cy="450000"/>
           </a:xfrm>
           <a:prstGeom prst="roundRect">
@@ -6804,7 +6885,7 @@
                   <a:schemeClr val="tx1"/>
                 </a:solidFill>
               </a:rPr>
-              <a:t> </a:t>
+              <a:t> Ted </a:t>
             </a:r>
             <a:r>
               <a:rPr lang="en-GB" sz="900" dirty="0" err="1">
@@ -6812,7 +6893,7 @@
                   <a:schemeClr val="tx1"/>
                 </a:solidFill>
               </a:rPr>
-              <a:t>tbd</a:t>
+              <a:t>LeBon</a:t>
             </a:r>
             <a:endParaRPr lang="en-GB" sz="900" dirty="0">
               <a:solidFill>
@@ -6830,14 +6911,14 @@
               <a:t> </a:t>
             </a:r>
             <a:r>
-              <a:rPr lang="en-GB" sz="900" dirty="0">
-                <a:solidFill>
-                  <a:schemeClr val="tx1"/>
-                </a:solidFill>
-              </a:rPr>
-              <a:t>IT Administrator</a:t>
-            </a:r>
-            <a:endParaRPr lang="en-GB" sz="700" dirty="0">
+              <a:rPr lang="en-GB" sz="700" dirty="0">
+                <a:solidFill>
+                  <a:schemeClr val="tx1"/>
+                </a:solidFill>
+              </a:rPr>
+              <a:t>Communication Director</a:t>
+            </a:r>
+            <a:endParaRPr lang="en-GB" sz="900" dirty="0">
               <a:solidFill>
                 <a:schemeClr val="tx1"/>
               </a:solidFill>
@@ -6847,10 +6928,10 @@
       </p:sp>
       <p:pic>
         <p:nvPicPr>
-          <p:cNvPr id="1161" name="Picture 2">
-            <a:extLst>
-              <a:ext uri="{FF2B5EF4-FFF2-40B4-BE49-F238E27FC236}">
-                <a16:creationId xmlns:a16="http://schemas.microsoft.com/office/drawing/2014/main" id="{C0A16F27-0FDE-2EEF-9BC9-B2F06C147B2B}"/>
+          <p:cNvPr id="1168" name="Picture 2">
+            <a:extLst>
+              <a:ext uri="{FF2B5EF4-FFF2-40B4-BE49-F238E27FC236}">
+                <a16:creationId xmlns:a16="http://schemas.microsoft.com/office/drawing/2014/main" id="{4A4BB8BC-DE2D-91E6-B640-58AB95D0390A}"/>
               </a:ext>
             </a:extLst>
           </p:cNvPr>
@@ -6860,7 +6941,7 @@
           <p:nvPr/>
         </p:nvPicPr>
         <p:blipFill>
-          <a:blip r:embed="rId4" cstate="screen">
+          <a:blip r:embed="rId14" cstate="screen">
             <a:extLst>
               <a:ext uri="{28A0092B-C50C-407E-A947-70E740481C1C}">
                 <a14:useLocalDpi xmlns:a14="http://schemas.microsoft.com/office/drawing/2010/main" val="0"/>
@@ -6872,7 +6953,7 @@
         </p:blipFill>
         <p:spPr bwMode="auto">
           <a:xfrm>
-            <a:off x="562846" y="4083750"/>
+            <a:off x="2888677" y="5008500"/>
             <a:ext cx="540000" cy="540000"/>
           </a:xfrm>
           <a:prstGeom prst="rect">
@@ -6900,10 +6981,10 @@
       </p:pic>
       <p:sp>
         <p:nvSpPr>
-          <p:cNvPr id="1167" name="Rectangle: Rounded Corners 1166">
-            <a:extLst>
-              <a:ext uri="{FF2B5EF4-FFF2-40B4-BE49-F238E27FC236}">
-                <a16:creationId xmlns:a16="http://schemas.microsoft.com/office/drawing/2014/main" id="{42EC0099-FF93-68CA-B381-8B3F837D7BF9}"/>
+          <p:cNvPr id="1170" name="Rectangle: Rounded Corners 1169">
+            <a:extLst>
+              <a:ext uri="{FF2B5EF4-FFF2-40B4-BE49-F238E27FC236}">
+                <a16:creationId xmlns:a16="http://schemas.microsoft.com/office/drawing/2014/main" id="{A7FAB4F5-3D54-F34E-CAC6-F29E5633AD03}"/>
               </a:ext>
             </a:extLst>
           </p:cNvPr>
@@ -6912,7 +6993,7 @@
         </p:nvSpPr>
         <p:spPr>
           <a:xfrm>
-            <a:off x="3391662" y="5061625"/>
+            <a:off x="1035692" y="2212637"/>
             <a:ext cx="1260000" cy="450000"/>
           </a:xfrm>
           <a:prstGeom prst="roundRect">
@@ -6951,7 +7032,7 @@
                   <a:schemeClr val="tx1"/>
                 </a:solidFill>
               </a:rPr>
-              <a:t> Ted </a:t>
+              <a:t> </a:t>
             </a:r>
             <a:r>
               <a:rPr lang="en-GB" sz="900" dirty="0" err="1">
@@ -6959,7 +7040,23 @@
                   <a:schemeClr val="tx1"/>
                 </a:solidFill>
               </a:rPr>
-              <a:t>LeBon</a:t>
+              <a:t>Dujek</a:t>
+            </a:r>
+            <a:r>
+              <a:rPr lang="en-GB" sz="900" dirty="0">
+                <a:solidFill>
+                  <a:schemeClr val="tx1"/>
+                </a:solidFill>
+              </a:rPr>
+              <a:t> </a:t>
+            </a:r>
+            <a:r>
+              <a:rPr lang="en-GB" sz="900" dirty="0" err="1">
+                <a:solidFill>
+                  <a:schemeClr val="tx1"/>
+                </a:solidFill>
+              </a:rPr>
+              <a:t>Oneye</a:t>
             </a:r>
             <a:endParaRPr lang="en-GB" sz="900" dirty="0">
               <a:solidFill>
@@ -6977,169 +7074,6 @@
               <a:t> </a:t>
             </a:r>
             <a:r>
-              <a:rPr lang="en-GB" sz="700" dirty="0">
-                <a:solidFill>
-                  <a:schemeClr val="tx1"/>
-                </a:solidFill>
-              </a:rPr>
-              <a:t>Communication Director</a:t>
-            </a:r>
-            <a:endParaRPr lang="en-GB" sz="900" dirty="0">
-              <a:solidFill>
-                <a:schemeClr val="tx1"/>
-              </a:solidFill>
-            </a:endParaRPr>
-          </a:p>
-        </p:txBody>
-      </p:sp>
-      <p:pic>
-        <p:nvPicPr>
-          <p:cNvPr id="1168" name="Picture 2">
-            <a:extLst>
-              <a:ext uri="{FF2B5EF4-FFF2-40B4-BE49-F238E27FC236}">
-                <a16:creationId xmlns:a16="http://schemas.microsoft.com/office/drawing/2014/main" id="{4A4BB8BC-DE2D-91E6-B640-58AB95D0390A}"/>
-              </a:ext>
-            </a:extLst>
-          </p:cNvPr>
-          <p:cNvPicPr>
-            <a:picLocks noChangeAspect="1" noChangeArrowheads="1"/>
-          </p:cNvPicPr>
-          <p:nvPr/>
-        </p:nvPicPr>
-        <p:blipFill>
-          <a:blip r:embed="rId15" cstate="screen">
-            <a:extLst>
-              <a:ext uri="{28A0092B-C50C-407E-A947-70E740481C1C}">
-                <a14:useLocalDpi xmlns:a14="http://schemas.microsoft.com/office/drawing/2010/main" val="0"/>
-              </a:ext>
-            </a:extLst>
-          </a:blip>
-          <a:srcRect/>
-          <a:stretch/>
-        </p:blipFill>
-        <p:spPr bwMode="auto">
-          <a:xfrm>
-            <a:off x="2888677" y="5008500"/>
-            <a:ext cx="540000" cy="540000"/>
-          </a:xfrm>
-          <a:prstGeom prst="rect">
-            <a:avLst/>
-          </a:prstGeom>
-          <a:noFill/>
-          <a:ln w="57150">
-            <a:solidFill>
-              <a:srgbClr val="00B0F0"/>
-            </a:solidFill>
-          </a:ln>
-          <a:effectLst>
-            <a:softEdge rad="25400"/>
-          </a:effectLst>
-          <a:extLst>
-            <a:ext uri="{909E8E84-426E-40DD-AFC4-6F175D3DCCD1}">
-              <a14:hiddenFill xmlns:a14="http://schemas.microsoft.com/office/drawing/2010/main">
-                <a:solidFill>
-                  <a:srgbClr val="FFFFFF"/>
-                </a:solidFill>
-              </a14:hiddenFill>
-            </a:ext>
-          </a:extLst>
-        </p:spPr>
-      </p:pic>
-      <p:sp>
-        <p:nvSpPr>
-          <p:cNvPr id="1170" name="Rectangle: Rounded Corners 1169">
-            <a:extLst>
-              <a:ext uri="{FF2B5EF4-FFF2-40B4-BE49-F238E27FC236}">
-                <a16:creationId xmlns:a16="http://schemas.microsoft.com/office/drawing/2014/main" id="{A7FAB4F5-3D54-F34E-CAC6-F29E5633AD03}"/>
-              </a:ext>
-            </a:extLst>
-          </p:cNvPr>
-          <p:cNvSpPr/>
-          <p:nvPr/>
-        </p:nvSpPr>
-        <p:spPr>
-          <a:xfrm>
-            <a:off x="1035692" y="2212637"/>
-            <a:ext cx="1260000" cy="450000"/>
-          </a:xfrm>
-          <a:prstGeom prst="roundRect">
-            <a:avLst/>
-          </a:prstGeom>
-          <a:solidFill>
-            <a:schemeClr val="bg1"/>
-          </a:solidFill>
-          <a:ln>
-            <a:noFill/>
-          </a:ln>
-        </p:spPr>
-        <p:style>
-          <a:lnRef idx="2">
-            <a:schemeClr val="accent1">
-              <a:shade val="15000"/>
-            </a:schemeClr>
-          </a:lnRef>
-          <a:fillRef idx="1">
-            <a:schemeClr val="accent1"/>
-          </a:fillRef>
-          <a:effectRef idx="0">
-            <a:schemeClr val="accent1"/>
-          </a:effectRef>
-          <a:fontRef idx="minor">
-            <a:schemeClr val="lt1"/>
-          </a:fontRef>
-        </p:style>
-        <p:txBody>
-          <a:bodyPr rtlCol="0" anchor="ctr"/>
-          <a:lstStyle/>
-          <a:p>
-            <a:r>
-              <a:rPr lang="en-GB" sz="900" dirty="0">
-                <a:solidFill>
-                  <a:schemeClr val="tx1"/>
-                </a:solidFill>
-              </a:rPr>
-              <a:t> </a:t>
-            </a:r>
-            <a:r>
-              <a:rPr lang="en-GB" sz="900" dirty="0" err="1">
-                <a:solidFill>
-                  <a:schemeClr val="tx1"/>
-                </a:solidFill>
-              </a:rPr>
-              <a:t>Dujek</a:t>
-            </a:r>
-            <a:r>
-              <a:rPr lang="en-GB" sz="900" dirty="0">
-                <a:solidFill>
-                  <a:schemeClr val="tx1"/>
-                </a:solidFill>
-              </a:rPr>
-              <a:t> </a:t>
-            </a:r>
-            <a:r>
-              <a:rPr lang="en-GB" sz="900" dirty="0" err="1">
-                <a:solidFill>
-                  <a:schemeClr val="tx1"/>
-                </a:solidFill>
-              </a:rPr>
-              <a:t>Oneye</a:t>
-            </a:r>
-            <a:endParaRPr lang="en-GB" sz="900" dirty="0">
-              <a:solidFill>
-                <a:schemeClr val="tx1"/>
-              </a:solidFill>
-            </a:endParaRPr>
-          </a:p>
-          <a:p>
-            <a:r>
-              <a:rPr lang="en-GB" sz="800" dirty="0">
-                <a:solidFill>
-                  <a:schemeClr val="tx1"/>
-                </a:solidFill>
-              </a:rPr>
-              <a:t> </a:t>
-            </a:r>
-            <a:r>
               <a:rPr lang="en-GB" sz="900" dirty="0">
                 <a:solidFill>
                   <a:schemeClr val="tx1"/>
@@ -7170,7 +7104,7 @@
           <p:nvPr/>
         </p:nvPicPr>
         <p:blipFill>
-          <a:blip r:embed="rId16" cstate="screen">
+          <a:blip r:embed="rId15" cstate="screen">
             <a:extLst>
               <a:ext uri="{28A0092B-C50C-407E-A947-70E740481C1C}">
                 <a14:useLocalDpi xmlns:a14="http://schemas.microsoft.com/office/drawing/2010/main" val="0"/>
@@ -8316,7 +8250,7 @@
             <p:nvPr/>
           </p:nvPicPr>
           <p:blipFill>
-            <a:blip r:embed="rId17" cstate="screen">
+            <a:blip r:embed="rId16" cstate="screen">
               <a:extLst>
                 <a:ext uri="{28A0092B-C50C-407E-A947-70E740481C1C}">
                   <a14:useLocalDpi xmlns:a14="http://schemas.microsoft.com/office/drawing/2010/main" val="0"/>
@@ -8370,7 +8304,7 @@
           <p:nvPr/>
         </p:nvPicPr>
         <p:blipFill>
-          <a:blip r:embed="rId18" cstate="screen">
+          <a:blip r:embed="rId17" cstate="screen">
             <a:extLst>
               <a:ext uri="{28A0092B-C50C-407E-A947-70E740481C1C}">
                 <a14:useLocalDpi xmlns:a14="http://schemas.microsoft.com/office/drawing/2010/main" val="0"/>
@@ -8423,7 +8357,7 @@
           <p:nvPr/>
         </p:nvPicPr>
         <p:blipFill>
-          <a:blip r:embed="rId19" cstate="screen">
+          <a:blip r:embed="rId18" cstate="screen">
             <a:extLst>
               <a:ext uri="{28A0092B-C50C-407E-A947-70E740481C1C}">
                 <a14:useLocalDpi xmlns:a14="http://schemas.microsoft.com/office/drawing/2010/main" val="0"/>
@@ -8476,7 +8410,7 @@
           <p:nvPr/>
         </p:nvPicPr>
         <p:blipFill>
-          <a:blip r:embed="rId20" cstate="screen">
+          <a:blip r:embed="rId19" cstate="screen">
             <a:extLst>
               <a:ext uri="{28A0092B-C50C-407E-A947-70E740481C1C}">
                 <a14:useLocalDpi xmlns:a14="http://schemas.microsoft.com/office/drawing/2010/main" val="0"/>
@@ -8567,7 +8501,7 @@
           <p:nvPr/>
         </p:nvPicPr>
         <p:blipFill>
-          <a:blip r:embed="rId18" cstate="screen">
+          <a:blip r:embed="rId17" cstate="screen">
             <a:extLst>
               <a:ext uri="{28A0092B-C50C-407E-A947-70E740481C1C}">
                 <a14:useLocalDpi xmlns:a14="http://schemas.microsoft.com/office/drawing/2010/main" val="0"/>
@@ -8620,7 +8554,7 @@
           <p:nvPr/>
         </p:nvPicPr>
         <p:blipFill>
-          <a:blip r:embed="rId21" cstate="screen">
+          <a:blip r:embed="rId20" cstate="screen">
             <a:extLst>
               <a:ext uri="{28A0092B-C50C-407E-A947-70E740481C1C}">
                 <a14:useLocalDpi xmlns:a14="http://schemas.microsoft.com/office/drawing/2010/main" val="0"/>
@@ -8673,7 +8607,7 @@
           <p:nvPr/>
         </p:nvPicPr>
         <p:blipFill>
-          <a:blip r:embed="rId22" cstate="screen">
+          <a:blip r:embed="rId21" cstate="screen">
             <a:extLst>
               <a:ext uri="{28A0092B-C50C-407E-A947-70E740481C1C}">
                 <a14:useLocalDpi xmlns:a14="http://schemas.microsoft.com/office/drawing/2010/main" val="0"/>
@@ -8726,7 +8660,7 @@
           <p:nvPr/>
         </p:nvPicPr>
         <p:blipFill>
-          <a:blip r:embed="rId23" cstate="screen">
+          <a:blip r:embed="rId22" cstate="screen">
             <a:extLst>
               <a:ext uri="{28A0092B-C50C-407E-A947-70E740481C1C}">
                 <a14:useLocalDpi xmlns:a14="http://schemas.microsoft.com/office/drawing/2010/main" val="0"/>
@@ -8779,7 +8713,7 @@
           <p:nvPr/>
         </p:nvPicPr>
         <p:blipFill>
-          <a:blip r:embed="rId24" cstate="screen">
+          <a:blip r:embed="rId23" cstate="screen">
             <a:extLst>
               <a:ext uri="{28A0092B-C50C-407E-A947-70E740481C1C}">
                 <a14:useLocalDpi xmlns:a14="http://schemas.microsoft.com/office/drawing/2010/main" val="0"/>
@@ -8832,7 +8766,7 @@
           <p:nvPr/>
         </p:nvPicPr>
         <p:blipFill>
-          <a:blip r:embed="rId25" cstate="screen">
+          <a:blip r:embed="rId24" cstate="screen">
             <a:extLst>
               <a:ext uri="{28A0092B-C50C-407E-A947-70E740481C1C}">
                 <a14:useLocalDpi xmlns:a14="http://schemas.microsoft.com/office/drawing/2010/main" val="0"/>
@@ -8938,7 +8872,7 @@
           <p:nvPr/>
         </p:nvPicPr>
         <p:blipFill>
-          <a:blip r:embed="rId26" cstate="screen">
+          <a:blip r:embed="rId25" cstate="screen">
             <a:extLst>
               <a:ext uri="{28A0092B-C50C-407E-A947-70E740481C1C}">
                 <a14:useLocalDpi xmlns:a14="http://schemas.microsoft.com/office/drawing/2010/main" val="0"/>
@@ -8991,7 +8925,7 @@
           <p:nvPr/>
         </p:nvPicPr>
         <p:blipFill>
-          <a:blip r:embed="rId27" cstate="screen">
+          <a:blip r:embed="rId26" cstate="screen">
             <a:extLst>
               <a:ext uri="{28A0092B-C50C-407E-A947-70E740481C1C}">
                 <a14:useLocalDpi xmlns:a14="http://schemas.microsoft.com/office/drawing/2010/main" val="0"/>
@@ -9228,7 +9162,7 @@
           <p:nvPr/>
         </p:nvPicPr>
         <p:blipFill>
-          <a:blip r:embed="rId28" cstate="screen">
+          <a:blip r:embed="rId27" cstate="screen">
             <a:extLst>
               <a:ext uri="{28A0092B-C50C-407E-A947-70E740481C1C}">
                 <a14:useLocalDpi xmlns:a14="http://schemas.microsoft.com/office/drawing/2010/main" val="0"/>
@@ -9240,7 +9174,7 @@
         </p:blipFill>
         <p:spPr bwMode="auto">
           <a:xfrm>
-            <a:off x="2899648" y="384669"/>
+            <a:off x="2876788" y="384669"/>
             <a:ext cx="526500" cy="540000"/>
           </a:xfrm>
           <a:prstGeom prst="rect">
@@ -9323,7 +9257,7 @@
           <p:nvPr/>
         </p:nvPicPr>
         <p:blipFill>
-          <a:blip r:embed="rId29" cstate="screen">
+          <a:blip r:embed="rId28" cstate="screen">
             <a:extLst>
               <a:ext uri="{28A0092B-C50C-407E-A947-70E740481C1C}">
                 <a14:useLocalDpi xmlns:a14="http://schemas.microsoft.com/office/drawing/2010/main" val="0"/>
@@ -9376,7 +9310,7 @@
           <p:nvPr/>
         </p:nvPicPr>
         <p:blipFill>
-          <a:blip r:embed="rId30" cstate="screen">
+          <a:blip r:embed="rId29" cstate="screen">
             <a:extLst>
               <a:ext uri="{28A0092B-C50C-407E-A947-70E740481C1C}">
                 <a14:useLocalDpi xmlns:a14="http://schemas.microsoft.com/office/drawing/2010/main" val="0"/>
@@ -9495,6 +9429,59 @@
         <p:spPr bwMode="auto">
           <a:xfrm>
             <a:off x="551929" y="3133753"/>
+            <a:ext cx="540000" cy="540000"/>
+          </a:xfrm>
+          <a:prstGeom prst="rect">
+            <a:avLst/>
+          </a:prstGeom>
+          <a:noFill/>
+          <a:ln w="57150">
+            <a:solidFill>
+              <a:srgbClr val="00B0F0"/>
+            </a:solidFill>
+          </a:ln>
+          <a:effectLst>
+            <a:softEdge rad="25400"/>
+          </a:effectLst>
+          <a:extLst>
+            <a:ext uri="{909E8E84-426E-40DD-AFC4-6F175D3DCCD1}">
+              <a14:hiddenFill xmlns:a14="http://schemas.microsoft.com/office/drawing/2010/main">
+                <a:solidFill>
+                  <a:srgbClr val="FFFFFF"/>
+                </a:solidFill>
+              </a14:hiddenFill>
+            </a:ext>
+          </a:extLst>
+        </p:spPr>
+      </p:pic>
+      <p:pic>
+        <p:nvPicPr>
+          <p:cNvPr id="2" name="Picture 2">
+            <a:extLst>
+              <a:ext uri="{FF2B5EF4-FFF2-40B4-BE49-F238E27FC236}">
+                <a16:creationId xmlns:a16="http://schemas.microsoft.com/office/drawing/2014/main" id="{B95344A4-B8C2-6919-6BA2-0CA3D028BFBF}"/>
+              </a:ext>
+            </a:extLst>
+          </p:cNvPr>
+          <p:cNvPicPr>
+            <a:picLocks noChangeAspect="1" noChangeArrowheads="1"/>
+          </p:cNvPicPr>
+          <p:nvPr/>
+        </p:nvPicPr>
+        <p:blipFill>
+          <a:blip r:embed="rId11" cstate="screen">
+            <a:extLst>
+              <a:ext uri="{28A0092B-C50C-407E-A947-70E740481C1C}">
+                <a14:useLocalDpi xmlns:a14="http://schemas.microsoft.com/office/drawing/2010/main" val="0"/>
+              </a:ext>
+            </a:extLst>
+          </a:blip>
+          <a:srcRect/>
+          <a:stretch/>
+        </p:blipFill>
+        <p:spPr bwMode="auto">
+          <a:xfrm>
+            <a:off x="532366" y="375057"/>
             <a:ext cx="540000" cy="540000"/>
           </a:xfrm>
           <a:prstGeom prst="rect">
